--- a/doc/3/50_V4_機能アーキテクチャ/60_V4_設計書_認証認可基本設計書/80_基本設計書_認証・認可_別紙4_CADDEユーザ登録申請機能_202303.pptx
+++ b/doc/3/50_V4_機能アーキテクチャ/60_V4_設計書_認証認可基本設計書/80_基本設計書_認証・認可_別紙4_CADDEユーザ登録申請機能_202303.pptx
@@ -31654,5 +31654,5 @@
 </file>
 
 <file path=customXml/itemProps3.xml><?xml version="1.0" encoding="utf-8"?>
-<ds:datastoreItem xmlns:ds="http://schemas.openxmlformats.org/officeDocument/2006/customXml" ds:itemID="{689BF70A-D040-4BB2-9AAC-415CE88F033D}"/>
+<ds:datastoreItem xmlns:ds="http://schemas.openxmlformats.org/officeDocument/2006/customXml" ds:itemID="{AB7A0F8D-3FB7-417E-8321-7E095B8A092F}"/>
 </file>